--- a/docs/splunkdemo.pptx
+++ b/docs/splunkdemo.pptx
@@ -118,6 +118,11 @@
       </a:defRPr>
     </a:lvl9pPr>
   </p:defaultTextStyle>
+  <p:extLst>
+    <p:ext uri="{EFAFB233-063F-42B5-8137-9DF3F51BA10A}">
+      <p15:sldGuideLst xmlns:p15="http://schemas.microsoft.com/office/powerpoint/2012/main"/>
+    </p:ext>
+  </p:extLst>
 </p:presentation>
 </file>
 
@@ -171,7 +176,7 @@
           <a:noFill/>
           <a:extLst>
             <a:ext uri="{909E8E84-426E-40dd-AFC4-6F175D3DCCD1}">
-              <a14:hiddenFill xmlns:a14="http://schemas.microsoft.com/office/drawing/2010/main" xmlns="">
+              <a14:hiddenFill xmlns="" xmlns:a14="http://schemas.microsoft.com/office/drawing/2010/main">
                 <a:solidFill>
                   <a:srgbClr val="FFFFFF"/>
                 </a:solidFill>
@@ -231,7 +236,7 @@
             </a:ln>
             <a:extLst>
               <a:ext uri="{91240B29-F687-4f45-9708-019B960494DF}">
-                <a14:hiddenLine xmlns:a14="http://schemas.microsoft.com/office/drawing/2010/main" xmlns="" w="9525">
+                <a14:hiddenLine xmlns="" xmlns:a14="http://schemas.microsoft.com/office/drawing/2010/main" w="9525">
                   <a:solidFill>
                     <a:srgbClr val="000000"/>
                   </a:solidFill>
@@ -321,7 +326,7 @@
             </a:ln>
             <a:extLst>
               <a:ext uri="{91240B29-F687-4f45-9708-019B960494DF}">
-                <a14:hiddenLine xmlns:a14="http://schemas.microsoft.com/office/drawing/2010/main" xmlns="" w="9525">
+                <a14:hiddenLine xmlns="" xmlns:a14="http://schemas.microsoft.com/office/drawing/2010/main" w="9525">
                   <a:solidFill>
                     <a:srgbClr val="000000"/>
                   </a:solidFill>
@@ -411,7 +416,7 @@
             </a:ln>
             <a:extLst>
               <a:ext uri="{91240B29-F687-4f45-9708-019B960494DF}">
-                <a14:hiddenLine xmlns:a14="http://schemas.microsoft.com/office/drawing/2010/main" xmlns="" w="9525">
+                <a14:hiddenLine xmlns="" xmlns:a14="http://schemas.microsoft.com/office/drawing/2010/main" w="9525">
                   <a:solidFill>
                     <a:srgbClr val="000000"/>
                   </a:solidFill>
@@ -445,7 +450,7 @@
             </a:ln>
             <a:extLst>
               <a:ext uri="{91240B29-F687-4f45-9708-019B960494DF}">
-                <a14:hiddenLine xmlns:a14="http://schemas.microsoft.com/office/drawing/2010/main" xmlns="" w="9525">
+                <a14:hiddenLine xmlns="" xmlns:a14="http://schemas.microsoft.com/office/drawing/2010/main" w="9525">
                   <a:solidFill>
                     <a:srgbClr val="000000"/>
                   </a:solidFill>
@@ -535,7 +540,7 @@
             </a:ln>
             <a:extLst>
               <a:ext uri="{91240B29-F687-4f45-9708-019B960494DF}">
-                <a14:hiddenLine xmlns:a14="http://schemas.microsoft.com/office/drawing/2010/main" xmlns="" w="9525">
+                <a14:hiddenLine xmlns="" xmlns:a14="http://schemas.microsoft.com/office/drawing/2010/main" w="9525">
                   <a:solidFill>
                     <a:srgbClr val="000000"/>
                   </a:solidFill>
@@ -597,7 +602,7 @@
             </a:ln>
             <a:extLst>
               <a:ext uri="{91240B29-F687-4f45-9708-019B960494DF}">
-                <a14:hiddenLine xmlns:a14="http://schemas.microsoft.com/office/drawing/2010/main" xmlns="" w="9525">
+                <a14:hiddenLine xmlns="" xmlns:a14="http://schemas.microsoft.com/office/drawing/2010/main" w="9525">
                   <a:solidFill>
                     <a:srgbClr val="000000"/>
                   </a:solidFill>
@@ -659,7 +664,7 @@
             </a:ln>
             <a:extLst>
               <a:ext uri="{91240B29-F687-4f45-9708-019B960494DF}">
-                <a14:hiddenLine xmlns:a14="http://schemas.microsoft.com/office/drawing/2010/main" xmlns="" w="9525">
+                <a14:hiddenLine xmlns="" xmlns:a14="http://schemas.microsoft.com/office/drawing/2010/main" w="9525">
                   <a:solidFill>
                     <a:srgbClr val="000000"/>
                   </a:solidFill>
@@ -749,7 +754,7 @@
             </a:ln>
             <a:extLst>
               <a:ext uri="{91240B29-F687-4f45-9708-019B960494DF}">
-                <a14:hiddenLine xmlns:a14="http://schemas.microsoft.com/office/drawing/2010/main" xmlns="" w="9525">
+                <a14:hiddenLine xmlns="" xmlns:a14="http://schemas.microsoft.com/office/drawing/2010/main" w="9525">
                   <a:solidFill>
                     <a:srgbClr val="000000"/>
                   </a:solidFill>
@@ -811,7 +816,7 @@
             </a:ln>
             <a:extLst>
               <a:ext uri="{91240B29-F687-4f45-9708-019B960494DF}">
-                <a14:hiddenLine xmlns:a14="http://schemas.microsoft.com/office/drawing/2010/main" xmlns="" w="9525">
+                <a14:hiddenLine xmlns="" xmlns:a14="http://schemas.microsoft.com/office/drawing/2010/main" w="9525">
                   <a:solidFill>
                     <a:srgbClr val="000000"/>
                   </a:solidFill>
@@ -873,7 +878,7 @@
             </a:ln>
             <a:extLst>
               <a:ext uri="{91240B29-F687-4f45-9708-019B960494DF}">
-                <a14:hiddenLine xmlns:a14="http://schemas.microsoft.com/office/drawing/2010/main" xmlns="" w="9525">
+                <a14:hiddenLine xmlns="" xmlns:a14="http://schemas.microsoft.com/office/drawing/2010/main" w="9525">
                   <a:solidFill>
                     <a:srgbClr val="000000"/>
                   </a:solidFill>
@@ -963,7 +968,7 @@
             </a:ln>
             <a:extLst>
               <a:ext uri="{91240B29-F687-4f45-9708-019B960494DF}">
-                <a14:hiddenLine xmlns:a14="http://schemas.microsoft.com/office/drawing/2010/main" xmlns="" w="9525">
+                <a14:hiddenLine xmlns="" xmlns:a14="http://schemas.microsoft.com/office/drawing/2010/main" w="9525">
                   <a:solidFill>
                     <a:srgbClr val="000000"/>
                   </a:solidFill>
@@ -1053,7 +1058,7 @@
             </a:ln>
             <a:extLst>
               <a:ext uri="{91240B29-F687-4f45-9708-019B960494DF}">
-                <a14:hiddenLine xmlns:a14="http://schemas.microsoft.com/office/drawing/2010/main" xmlns="" w="9525">
+                <a14:hiddenLine xmlns="" xmlns:a14="http://schemas.microsoft.com/office/drawing/2010/main" w="9525">
                   <a:solidFill>
                     <a:srgbClr val="000000"/>
                   </a:solidFill>
@@ -1115,7 +1120,7 @@
             </a:ln>
             <a:extLst>
               <a:ext uri="{91240B29-F687-4f45-9708-019B960494DF}">
-                <a14:hiddenLine xmlns:a14="http://schemas.microsoft.com/office/drawing/2010/main" xmlns="" w="9525">
+                <a14:hiddenLine xmlns="" xmlns:a14="http://schemas.microsoft.com/office/drawing/2010/main" w="9525">
                   <a:solidFill>
                     <a:srgbClr val="000000"/>
                   </a:solidFill>
@@ -1225,7 +1230,7 @@
             </a:ln>
             <a:extLst>
               <a:ext uri="{91240B29-F687-4f45-9708-019B960494DF}">
-                <a14:hiddenLine xmlns:a14="http://schemas.microsoft.com/office/drawing/2010/main" xmlns="" w="9525">
+                <a14:hiddenLine xmlns="" xmlns:a14="http://schemas.microsoft.com/office/drawing/2010/main" w="9525">
                   <a:solidFill>
                     <a:srgbClr val="000000"/>
                   </a:solidFill>
@@ -1287,7 +1292,7 @@
             </a:ln>
             <a:extLst>
               <a:ext uri="{91240B29-F687-4f45-9708-019B960494DF}">
-                <a14:hiddenLine xmlns:a14="http://schemas.microsoft.com/office/drawing/2010/main" xmlns="" w="9525">
+                <a14:hiddenLine xmlns="" xmlns:a14="http://schemas.microsoft.com/office/drawing/2010/main" w="9525">
                   <a:solidFill>
                     <a:srgbClr val="000000"/>
                   </a:solidFill>
@@ -1377,7 +1382,7 @@
             </a:ln>
             <a:extLst>
               <a:ext uri="{91240B29-F687-4f45-9708-019B960494DF}">
-                <a14:hiddenLine xmlns:a14="http://schemas.microsoft.com/office/drawing/2010/main" xmlns="" w="9525">
+                <a14:hiddenLine xmlns="" xmlns:a14="http://schemas.microsoft.com/office/drawing/2010/main" w="9525">
                   <a:solidFill>
                     <a:srgbClr val="000000"/>
                   </a:solidFill>
@@ -1467,7 +1472,7 @@
             </a:ln>
             <a:extLst>
               <a:ext uri="{91240B29-F687-4f45-9708-019B960494DF}">
-                <a14:hiddenLine xmlns:a14="http://schemas.microsoft.com/office/drawing/2010/main" xmlns="" w="9525">
+                <a14:hiddenLine xmlns="" xmlns:a14="http://schemas.microsoft.com/office/drawing/2010/main" w="9525">
                   <a:solidFill>
                     <a:srgbClr val="000000"/>
                   </a:solidFill>
@@ -1529,7 +1534,7 @@
             </a:ln>
             <a:extLst>
               <a:ext uri="{91240B29-F687-4f45-9708-019B960494DF}">
-                <a14:hiddenLine xmlns:a14="http://schemas.microsoft.com/office/drawing/2010/main" xmlns="" w="9525">
+                <a14:hiddenLine xmlns="" xmlns:a14="http://schemas.microsoft.com/office/drawing/2010/main" w="9525">
                   <a:solidFill>
                     <a:srgbClr val="000000"/>
                   </a:solidFill>
@@ -1619,7 +1624,7 @@
             </a:ln>
             <a:extLst>
               <a:ext uri="{91240B29-F687-4f45-9708-019B960494DF}">
-                <a14:hiddenLine xmlns:a14="http://schemas.microsoft.com/office/drawing/2010/main" xmlns="" w="9525">
+                <a14:hiddenLine xmlns="" xmlns:a14="http://schemas.microsoft.com/office/drawing/2010/main" w="9525">
                   <a:solidFill>
                     <a:srgbClr val="000000"/>
                   </a:solidFill>
@@ -1709,7 +1714,7 @@
             </a:ln>
             <a:extLst>
               <a:ext uri="{91240B29-F687-4f45-9708-019B960494DF}">
-                <a14:hiddenLine xmlns:a14="http://schemas.microsoft.com/office/drawing/2010/main" xmlns="" w="9525">
+                <a14:hiddenLine xmlns="" xmlns:a14="http://schemas.microsoft.com/office/drawing/2010/main" w="9525">
                   <a:solidFill>
                     <a:srgbClr val="000000"/>
                   </a:solidFill>
@@ -1765,7 +1770,7 @@
             </a:ln>
             <a:extLst>
               <a:ext uri="{91240B29-F687-4f45-9708-019B960494DF}">
-                <a14:hiddenLine xmlns:a14="http://schemas.microsoft.com/office/drawing/2010/main" xmlns="" w="9525">
+                <a14:hiddenLine xmlns="" xmlns:a14="http://schemas.microsoft.com/office/drawing/2010/main" w="9525">
                   <a:solidFill>
                     <a:srgbClr val="000000"/>
                   </a:solidFill>
@@ -1855,7 +1860,7 @@
             </a:ln>
             <a:extLst>
               <a:ext uri="{91240B29-F687-4f45-9708-019B960494DF}">
-                <a14:hiddenLine xmlns:a14="http://schemas.microsoft.com/office/drawing/2010/main" xmlns="" w="9525">
+                <a14:hiddenLine xmlns="" xmlns:a14="http://schemas.microsoft.com/office/drawing/2010/main" w="9525">
                   <a:solidFill>
                     <a:srgbClr val="000000"/>
                   </a:solidFill>
@@ -1911,7 +1916,7 @@
             </a:ln>
             <a:extLst>
               <a:ext uri="{91240B29-F687-4f45-9708-019B960494DF}">
-                <a14:hiddenLine xmlns:a14="http://schemas.microsoft.com/office/drawing/2010/main" xmlns="" w="9525">
+                <a14:hiddenLine xmlns="" xmlns:a14="http://schemas.microsoft.com/office/drawing/2010/main" w="9525">
                   <a:solidFill>
                     <a:srgbClr val="000000"/>
                   </a:solidFill>
@@ -2001,7 +2006,7 @@
             </a:ln>
             <a:extLst>
               <a:ext uri="{91240B29-F687-4f45-9708-019B960494DF}">
-                <a14:hiddenLine xmlns:a14="http://schemas.microsoft.com/office/drawing/2010/main" xmlns="" w="9525">
+                <a14:hiddenLine xmlns="" xmlns:a14="http://schemas.microsoft.com/office/drawing/2010/main" w="9525">
                   <a:solidFill>
                     <a:srgbClr val="000000"/>
                   </a:solidFill>
@@ -2069,7 +2074,7 @@
             </a:ln>
             <a:extLst>
               <a:ext uri="{91240B29-F687-4f45-9708-019B960494DF}">
-                <a14:hiddenLine xmlns:a14="http://schemas.microsoft.com/office/drawing/2010/main" xmlns="" w="9525">
+                <a14:hiddenLine xmlns="" xmlns:a14="http://schemas.microsoft.com/office/drawing/2010/main" w="9525">
                   <a:solidFill>
                     <a:srgbClr val="000000"/>
                   </a:solidFill>
@@ -2159,7 +2164,7 @@
             </a:ln>
             <a:extLst>
               <a:ext uri="{91240B29-F687-4f45-9708-019B960494DF}">
-                <a14:hiddenLine xmlns:a14="http://schemas.microsoft.com/office/drawing/2010/main" xmlns="" w="9525">
+                <a14:hiddenLine xmlns="" xmlns:a14="http://schemas.microsoft.com/office/drawing/2010/main" w="9525">
                   <a:solidFill>
                     <a:srgbClr val="000000"/>
                   </a:solidFill>
@@ -2227,7 +2232,7 @@
             </a:ln>
             <a:extLst>
               <a:ext uri="{91240B29-F687-4f45-9708-019B960494DF}">
-                <a14:hiddenLine xmlns:a14="http://schemas.microsoft.com/office/drawing/2010/main" xmlns="" w="9525">
+                <a14:hiddenLine xmlns="" xmlns:a14="http://schemas.microsoft.com/office/drawing/2010/main" w="9525">
                   <a:solidFill>
                     <a:srgbClr val="000000"/>
                   </a:solidFill>
@@ -2317,7 +2322,7 @@
             </a:ln>
             <a:extLst>
               <a:ext uri="{91240B29-F687-4f45-9708-019B960494DF}">
-                <a14:hiddenLine xmlns:a14="http://schemas.microsoft.com/office/drawing/2010/main" xmlns="" w="9525">
+                <a14:hiddenLine xmlns="" xmlns:a14="http://schemas.microsoft.com/office/drawing/2010/main" w="9525">
                   <a:solidFill>
                     <a:srgbClr val="000000"/>
                   </a:solidFill>
@@ -2351,7 +2356,7 @@
             </a:ln>
             <a:extLst>
               <a:ext uri="{91240B29-F687-4f45-9708-019B960494DF}">
-                <a14:hiddenLine xmlns:a14="http://schemas.microsoft.com/office/drawing/2010/main" xmlns="" w="9525">
+                <a14:hiddenLine xmlns="" xmlns:a14="http://schemas.microsoft.com/office/drawing/2010/main" w="9525">
                   <a:solidFill>
                     <a:srgbClr val="000000"/>
                   </a:solidFill>
@@ -2441,7 +2446,7 @@
             </a:ln>
             <a:extLst>
               <a:ext uri="{91240B29-F687-4f45-9708-019B960494DF}">
-                <a14:hiddenLine xmlns:a14="http://schemas.microsoft.com/office/drawing/2010/main" xmlns="" w="9525">
+                <a14:hiddenLine xmlns="" xmlns:a14="http://schemas.microsoft.com/office/drawing/2010/main" w="9525">
                   <a:solidFill>
                     <a:srgbClr val="000000"/>
                   </a:solidFill>
@@ -2503,7 +2508,7 @@
             </a:ln>
             <a:extLst>
               <a:ext uri="{91240B29-F687-4f45-9708-019B960494DF}">
-                <a14:hiddenLine xmlns:a14="http://schemas.microsoft.com/office/drawing/2010/main" xmlns="" w="9525">
+                <a14:hiddenLine xmlns="" xmlns:a14="http://schemas.microsoft.com/office/drawing/2010/main" w="9525">
                   <a:solidFill>
                     <a:srgbClr val="000000"/>
                   </a:solidFill>
@@ -2565,7 +2570,7 @@
             </a:ln>
             <a:extLst>
               <a:ext uri="{91240B29-F687-4f45-9708-019B960494DF}">
-                <a14:hiddenLine xmlns:a14="http://schemas.microsoft.com/office/drawing/2010/main" xmlns="" w="9525">
+                <a14:hiddenLine xmlns="" xmlns:a14="http://schemas.microsoft.com/office/drawing/2010/main" w="9525">
                   <a:solidFill>
                     <a:srgbClr val="000000"/>
                   </a:solidFill>
@@ -2655,7 +2660,7 @@
             </a:ln>
             <a:extLst>
               <a:ext uri="{91240B29-F687-4f45-9708-019B960494DF}">
-                <a14:hiddenLine xmlns:a14="http://schemas.microsoft.com/office/drawing/2010/main" xmlns="" w="9525">
+                <a14:hiddenLine xmlns="" xmlns:a14="http://schemas.microsoft.com/office/drawing/2010/main" w="9525">
                   <a:solidFill>
                     <a:srgbClr val="000000"/>
                   </a:solidFill>
@@ -2723,7 +2728,7 @@
             </a:ln>
             <a:extLst>
               <a:ext uri="{91240B29-F687-4f45-9708-019B960494DF}">
-                <a14:hiddenLine xmlns:a14="http://schemas.microsoft.com/office/drawing/2010/main" xmlns="" w="9525">
+                <a14:hiddenLine xmlns="" xmlns:a14="http://schemas.microsoft.com/office/drawing/2010/main" w="9525">
                   <a:solidFill>
                     <a:srgbClr val="000000"/>
                   </a:solidFill>
@@ -2785,7 +2790,7 @@
             </a:ln>
             <a:extLst>
               <a:ext uri="{91240B29-F687-4f45-9708-019B960494DF}">
-                <a14:hiddenLine xmlns:a14="http://schemas.microsoft.com/office/drawing/2010/main" xmlns="" w="9525">
+                <a14:hiddenLine xmlns="" xmlns:a14="http://schemas.microsoft.com/office/drawing/2010/main" w="9525">
                   <a:solidFill>
                     <a:srgbClr val="000000"/>
                   </a:solidFill>
@@ -2875,7 +2880,7 @@
             </a:ln>
             <a:extLst>
               <a:ext uri="{91240B29-F687-4f45-9708-019B960494DF}">
-                <a14:hiddenLine xmlns:a14="http://schemas.microsoft.com/office/drawing/2010/main" xmlns="" w="9525">
+                <a14:hiddenLine xmlns="" xmlns:a14="http://schemas.microsoft.com/office/drawing/2010/main" w="9525">
                   <a:solidFill>
                     <a:srgbClr val="000000"/>
                   </a:solidFill>
@@ -2937,7 +2942,7 @@
             </a:ln>
             <a:extLst>
               <a:ext uri="{91240B29-F687-4f45-9708-019B960494DF}">
-                <a14:hiddenLine xmlns:a14="http://schemas.microsoft.com/office/drawing/2010/main" xmlns="" w="9525">
+                <a14:hiddenLine xmlns="" xmlns:a14="http://schemas.microsoft.com/office/drawing/2010/main" w="9525">
                   <a:solidFill>
                     <a:srgbClr val="000000"/>
                   </a:solidFill>
@@ -3027,7 +3032,7 @@
             </a:ln>
             <a:extLst>
               <a:ext uri="{91240B29-F687-4f45-9708-019B960494DF}">
-                <a14:hiddenLine xmlns:a14="http://schemas.microsoft.com/office/drawing/2010/main" xmlns="" w="9525">
+                <a14:hiddenLine xmlns="" xmlns:a14="http://schemas.microsoft.com/office/drawing/2010/main" w="9525">
                   <a:solidFill>
                     <a:srgbClr val="000000"/>
                   </a:solidFill>
@@ -3089,7 +3094,7 @@
             </a:ln>
             <a:extLst>
               <a:ext uri="{91240B29-F687-4f45-9708-019B960494DF}">
-                <a14:hiddenLine xmlns:a14="http://schemas.microsoft.com/office/drawing/2010/main" xmlns="" w="9525">
+                <a14:hiddenLine xmlns="" xmlns:a14="http://schemas.microsoft.com/office/drawing/2010/main" w="9525">
                   <a:solidFill>
                     <a:srgbClr val="000000"/>
                   </a:solidFill>
@@ -3179,7 +3184,7 @@
             </a:ln>
             <a:extLst>
               <a:ext uri="{91240B29-F687-4f45-9708-019B960494DF}">
-                <a14:hiddenLine xmlns:a14="http://schemas.microsoft.com/office/drawing/2010/main" xmlns="" w="9525">
+                <a14:hiddenLine xmlns="" xmlns:a14="http://schemas.microsoft.com/office/drawing/2010/main" w="9525">
                   <a:solidFill>
                     <a:srgbClr val="000000"/>
                   </a:solidFill>
@@ -3213,7 +3218,7 @@
             </a:ln>
             <a:extLst>
               <a:ext uri="{91240B29-F687-4f45-9708-019B960494DF}">
-                <a14:hiddenLine xmlns:a14="http://schemas.microsoft.com/office/drawing/2010/main" xmlns="" w="9525">
+                <a14:hiddenLine xmlns="" xmlns:a14="http://schemas.microsoft.com/office/drawing/2010/main" w="9525">
                   <a:solidFill>
                     <a:srgbClr val="000000"/>
                   </a:solidFill>
@@ -3278,7 +3283,7 @@
             </a:ln>
             <a:extLst>
               <a:ext uri="{91240B29-F687-4f45-9708-019B960494DF}">
-                <a14:hiddenLine xmlns:a14="http://schemas.microsoft.com/office/drawing/2010/main" xmlns="" w="9525">
+                <a14:hiddenLine xmlns="" xmlns:a14="http://schemas.microsoft.com/office/drawing/2010/main" w="9525">
                   <a:solidFill>
                     <a:srgbClr val="000000"/>
                   </a:solidFill>
@@ -3368,7 +3373,7 @@
             </a:ln>
             <a:extLst>
               <a:ext uri="{91240B29-F687-4f45-9708-019B960494DF}">
-                <a14:hiddenLine xmlns:a14="http://schemas.microsoft.com/office/drawing/2010/main" xmlns="" w="9525">
+                <a14:hiddenLine xmlns="" xmlns:a14="http://schemas.microsoft.com/office/drawing/2010/main" w="9525">
                   <a:solidFill>
                     <a:srgbClr val="000000"/>
                   </a:solidFill>
@@ -3430,7 +3435,7 @@
             </a:ln>
             <a:extLst>
               <a:ext uri="{91240B29-F687-4f45-9708-019B960494DF}">
-                <a14:hiddenLine xmlns:a14="http://schemas.microsoft.com/office/drawing/2010/main" xmlns="" w="9525">
+                <a14:hiddenLine xmlns="" xmlns:a14="http://schemas.microsoft.com/office/drawing/2010/main" w="9525">
                   <a:solidFill>
                     <a:srgbClr val="000000"/>
                   </a:solidFill>
@@ -3520,7 +3525,7 @@
             </a:ln>
             <a:extLst>
               <a:ext uri="{91240B29-F687-4f45-9708-019B960494DF}">
-                <a14:hiddenLine xmlns:a14="http://schemas.microsoft.com/office/drawing/2010/main" xmlns="" w="9525">
+                <a14:hiddenLine xmlns="" xmlns:a14="http://schemas.microsoft.com/office/drawing/2010/main" w="9525">
                   <a:solidFill>
                     <a:srgbClr val="000000"/>
                   </a:solidFill>
@@ -3610,7 +3615,7 @@
             </a:ln>
             <a:extLst>
               <a:ext uri="{91240B29-F687-4f45-9708-019B960494DF}">
-                <a14:hiddenLine xmlns:a14="http://schemas.microsoft.com/office/drawing/2010/main" xmlns="" w="9525">
+                <a14:hiddenLine xmlns="" xmlns:a14="http://schemas.microsoft.com/office/drawing/2010/main" w="9525">
                   <a:solidFill>
                     <a:srgbClr val="000000"/>
                   </a:solidFill>
@@ -3675,7 +3680,7 @@
             </a:ln>
             <a:extLst>
               <a:ext uri="{91240B29-F687-4f45-9708-019B960494DF}">
-                <a14:hiddenLine xmlns:a14="http://schemas.microsoft.com/office/drawing/2010/main" xmlns="" w="9525">
+                <a14:hiddenLine xmlns="" xmlns:a14="http://schemas.microsoft.com/office/drawing/2010/main" w="9525">
                   <a:solidFill>
                     <a:srgbClr val="000000"/>
                   </a:solidFill>
@@ -3737,7 +3742,7 @@
             </a:ln>
             <a:extLst>
               <a:ext uri="{91240B29-F687-4f45-9708-019B960494DF}">
-                <a14:hiddenLine xmlns:a14="http://schemas.microsoft.com/office/drawing/2010/main" xmlns="" w="9525">
+                <a14:hiddenLine xmlns="" xmlns:a14="http://schemas.microsoft.com/office/drawing/2010/main" w="9525">
                   <a:solidFill>
                     <a:srgbClr val="000000"/>
                   </a:solidFill>
@@ -3827,7 +3832,7 @@
             </a:ln>
             <a:extLst>
               <a:ext uri="{91240B29-F687-4f45-9708-019B960494DF}">
-                <a14:hiddenLine xmlns:a14="http://schemas.microsoft.com/office/drawing/2010/main" xmlns="" w="9525">
+                <a14:hiddenLine xmlns="" xmlns:a14="http://schemas.microsoft.com/office/drawing/2010/main" w="9525">
                   <a:solidFill>
                     <a:srgbClr val="000000"/>
                   </a:solidFill>
@@ -3917,7 +3922,7 @@
             </a:ln>
             <a:extLst>
               <a:ext uri="{91240B29-F687-4f45-9708-019B960494DF}">
-                <a14:hiddenLine xmlns:a14="http://schemas.microsoft.com/office/drawing/2010/main" xmlns="" w="9525">
+                <a14:hiddenLine xmlns="" xmlns:a14="http://schemas.microsoft.com/office/drawing/2010/main" w="9525">
                   <a:solidFill>
                     <a:srgbClr val="000000"/>
                   </a:solidFill>
@@ -3979,7 +3984,7 @@
             </a:ln>
             <a:extLst>
               <a:ext uri="{91240B29-F687-4f45-9708-019B960494DF}">
-                <a14:hiddenLine xmlns:a14="http://schemas.microsoft.com/office/drawing/2010/main" xmlns="" w="9525">
+                <a14:hiddenLine xmlns="" xmlns:a14="http://schemas.microsoft.com/office/drawing/2010/main" w="9525">
                   <a:solidFill>
                     <a:srgbClr val="000000"/>
                   </a:solidFill>
@@ -4099,7 +4104,7 @@
             </a:ln>
             <a:extLst>
               <a:ext uri="{91240B29-F687-4f45-9708-019B960494DF}">
-                <a14:hiddenLine xmlns:a14="http://schemas.microsoft.com/office/drawing/2010/main" xmlns="" w="9525">
+                <a14:hiddenLine xmlns="" xmlns:a14="http://schemas.microsoft.com/office/drawing/2010/main" w="9525">
                   <a:solidFill>
                     <a:srgbClr val="000000"/>
                   </a:solidFill>
@@ -4167,7 +4172,7 @@
             </a:ln>
             <a:extLst>
               <a:ext uri="{91240B29-F687-4f45-9708-019B960494DF}">
-                <a14:hiddenLine xmlns:a14="http://schemas.microsoft.com/office/drawing/2010/main" xmlns="" w="9525">
+                <a14:hiddenLine xmlns="" xmlns:a14="http://schemas.microsoft.com/office/drawing/2010/main" w="9525">
                   <a:solidFill>
                     <a:srgbClr val="000000"/>
                   </a:solidFill>
@@ -4257,7 +4262,7 @@
             </a:ln>
             <a:extLst>
               <a:ext uri="{91240B29-F687-4f45-9708-019B960494DF}">
-                <a14:hiddenLine xmlns:a14="http://schemas.microsoft.com/office/drawing/2010/main" xmlns="" w="9525">
+                <a14:hiddenLine xmlns="" xmlns:a14="http://schemas.microsoft.com/office/drawing/2010/main" w="9525">
                   <a:solidFill>
                     <a:srgbClr val="000000"/>
                   </a:solidFill>
@@ -9064,7 +9069,7 @@
           <a:noFill/>
           <a:extLst>
             <a:ext uri="{909E8E84-426E-40dd-AFC4-6F175D3DCCD1}">
-              <a14:hiddenFill xmlns:a14="http://schemas.microsoft.com/office/drawing/2010/main" xmlns="">
+              <a14:hiddenFill xmlns="" xmlns:a14="http://schemas.microsoft.com/office/drawing/2010/main">
                 <a:solidFill>
                   <a:srgbClr val="FFFFFF"/>
                 </a:solidFill>
@@ -9138,7 +9143,7 @@
               </a:ln>
               <a:extLst>
                 <a:ext uri="{91240B29-F687-4f45-9708-019B960494DF}">
-                  <a14:hiddenLine xmlns:a14="http://schemas.microsoft.com/office/drawing/2010/main" xmlns="" w="9525">
+                  <a14:hiddenLine xmlns="" xmlns:a14="http://schemas.microsoft.com/office/drawing/2010/main" w="9525">
                     <a:solidFill>
                       <a:srgbClr val="000000"/>
                     </a:solidFill>
@@ -9228,7 +9233,7 @@
               </a:ln>
               <a:extLst>
                 <a:ext uri="{91240B29-F687-4f45-9708-019B960494DF}">
-                  <a14:hiddenLine xmlns:a14="http://schemas.microsoft.com/office/drawing/2010/main" xmlns="" w="9525">
+                  <a14:hiddenLine xmlns="" xmlns:a14="http://schemas.microsoft.com/office/drawing/2010/main" w="9525">
                     <a:solidFill>
                       <a:srgbClr val="000000"/>
                     </a:solidFill>
@@ -9318,7 +9323,7 @@
               </a:ln>
               <a:extLst>
                 <a:ext uri="{91240B29-F687-4f45-9708-019B960494DF}">
-                  <a14:hiddenLine xmlns:a14="http://schemas.microsoft.com/office/drawing/2010/main" xmlns="" w="9525">
+                  <a14:hiddenLine xmlns="" xmlns:a14="http://schemas.microsoft.com/office/drawing/2010/main" w="9525">
                     <a:solidFill>
                       <a:srgbClr val="000000"/>
                     </a:solidFill>
@@ -9380,7 +9385,7 @@
               </a:ln>
               <a:extLst>
                 <a:ext uri="{91240B29-F687-4f45-9708-019B960494DF}">
-                  <a14:hiddenLine xmlns:a14="http://schemas.microsoft.com/office/drawing/2010/main" xmlns="" w="9525">
+                  <a14:hiddenLine xmlns="" xmlns:a14="http://schemas.microsoft.com/office/drawing/2010/main" w="9525">
                     <a:solidFill>
                       <a:srgbClr val="000000"/>
                     </a:solidFill>
@@ -9470,7 +9475,7 @@
               </a:ln>
               <a:extLst>
                 <a:ext uri="{91240B29-F687-4f45-9708-019B960494DF}">
-                  <a14:hiddenLine xmlns:a14="http://schemas.microsoft.com/office/drawing/2010/main" xmlns="" w="9525">
+                  <a14:hiddenLine xmlns="" xmlns:a14="http://schemas.microsoft.com/office/drawing/2010/main" w="9525">
                     <a:solidFill>
                       <a:srgbClr val="000000"/>
                     </a:solidFill>
@@ -9532,7 +9537,7 @@
               </a:ln>
               <a:extLst>
                 <a:ext uri="{91240B29-F687-4f45-9708-019B960494DF}">
-                  <a14:hiddenLine xmlns:a14="http://schemas.microsoft.com/office/drawing/2010/main" xmlns="" w="9525">
+                  <a14:hiddenLine xmlns="" xmlns:a14="http://schemas.microsoft.com/office/drawing/2010/main" w="9525">
                     <a:solidFill>
                       <a:srgbClr val="000000"/>
                     </a:solidFill>
@@ -9594,7 +9599,7 @@
               </a:ln>
               <a:extLst>
                 <a:ext uri="{91240B29-F687-4f45-9708-019B960494DF}">
-                  <a14:hiddenLine xmlns:a14="http://schemas.microsoft.com/office/drawing/2010/main" xmlns="" w="9525">
+                  <a14:hiddenLine xmlns="" xmlns:a14="http://schemas.microsoft.com/office/drawing/2010/main" w="9525">
                     <a:solidFill>
                       <a:srgbClr val="000000"/>
                     </a:solidFill>
@@ -9684,7 +9689,7 @@
               </a:ln>
               <a:extLst>
                 <a:ext uri="{91240B29-F687-4f45-9708-019B960494DF}">
-                  <a14:hiddenLine xmlns:a14="http://schemas.microsoft.com/office/drawing/2010/main" xmlns="" w="9525">
+                  <a14:hiddenLine xmlns="" xmlns:a14="http://schemas.microsoft.com/office/drawing/2010/main" w="9525">
                     <a:solidFill>
                       <a:srgbClr val="000000"/>
                     </a:solidFill>
@@ -9774,7 +9779,7 @@
               </a:ln>
               <a:extLst>
                 <a:ext uri="{91240B29-F687-4f45-9708-019B960494DF}">
-                  <a14:hiddenLine xmlns:a14="http://schemas.microsoft.com/office/drawing/2010/main" xmlns="" w="9525">
+                  <a14:hiddenLine xmlns="" xmlns:a14="http://schemas.microsoft.com/office/drawing/2010/main" w="9525">
                     <a:solidFill>
                       <a:srgbClr val="000000"/>
                     </a:solidFill>
@@ -9836,7 +9841,7 @@
               </a:ln>
               <a:extLst>
                 <a:ext uri="{91240B29-F687-4f45-9708-019B960494DF}">
-                  <a14:hiddenLine xmlns:a14="http://schemas.microsoft.com/office/drawing/2010/main" xmlns="" w="9525">
+                  <a14:hiddenLine xmlns="" xmlns:a14="http://schemas.microsoft.com/office/drawing/2010/main" w="9525">
                     <a:solidFill>
                       <a:srgbClr val="000000"/>
                     </a:solidFill>
@@ -9946,7 +9951,7 @@
               </a:ln>
               <a:extLst>
                 <a:ext uri="{91240B29-F687-4f45-9708-019B960494DF}">
-                  <a14:hiddenLine xmlns:a14="http://schemas.microsoft.com/office/drawing/2010/main" xmlns="" w="9525">
+                  <a14:hiddenLine xmlns="" xmlns:a14="http://schemas.microsoft.com/office/drawing/2010/main" w="9525">
                     <a:solidFill>
                       <a:srgbClr val="000000"/>
                     </a:solidFill>
@@ -10030,7 +10035,7 @@
               </a:ln>
               <a:extLst>
                 <a:ext uri="{91240B29-F687-4f45-9708-019B960494DF}">
-                  <a14:hiddenLine xmlns:a14="http://schemas.microsoft.com/office/drawing/2010/main" xmlns="" w="9525">
+                  <a14:hiddenLine xmlns="" xmlns:a14="http://schemas.microsoft.com/office/drawing/2010/main" w="9525">
                     <a:solidFill>
                       <a:srgbClr val="000000"/>
                     </a:solidFill>
@@ -10092,7 +10097,7 @@
               </a:ln>
               <a:extLst>
                 <a:ext uri="{91240B29-F687-4f45-9708-019B960494DF}">
-                  <a14:hiddenLine xmlns:a14="http://schemas.microsoft.com/office/drawing/2010/main" xmlns="" w="9525">
+                  <a14:hiddenLine xmlns="" xmlns:a14="http://schemas.microsoft.com/office/drawing/2010/main" w="9525">
                     <a:solidFill>
                       <a:srgbClr val="000000"/>
                     </a:solidFill>
@@ -10154,7 +10159,7 @@
               </a:ln>
               <a:extLst>
                 <a:ext uri="{91240B29-F687-4f45-9708-019B960494DF}">
-                  <a14:hiddenLine xmlns:a14="http://schemas.microsoft.com/office/drawing/2010/main" xmlns="" w="9525">
+                  <a14:hiddenLine xmlns="" xmlns:a14="http://schemas.microsoft.com/office/drawing/2010/main" w="9525">
                     <a:solidFill>
                       <a:srgbClr val="000000"/>
                     </a:solidFill>
@@ -10244,7 +10249,7 @@
               </a:ln>
               <a:extLst>
                 <a:ext uri="{91240B29-F687-4f45-9708-019B960494DF}">
-                  <a14:hiddenLine xmlns:a14="http://schemas.microsoft.com/office/drawing/2010/main" xmlns="" w="9525">
+                  <a14:hiddenLine xmlns="" xmlns:a14="http://schemas.microsoft.com/office/drawing/2010/main" w="9525">
                     <a:solidFill>
                       <a:srgbClr val="000000"/>
                     </a:solidFill>
@@ -10278,7 +10283,7 @@
               </a:ln>
               <a:extLst>
                 <a:ext uri="{91240B29-F687-4f45-9708-019B960494DF}">
-                  <a14:hiddenLine xmlns:a14="http://schemas.microsoft.com/office/drawing/2010/main" xmlns="" w="9525">
+                  <a14:hiddenLine xmlns="" xmlns:a14="http://schemas.microsoft.com/office/drawing/2010/main" w="9525">
                     <a:solidFill>
                       <a:srgbClr val="000000"/>
                     </a:solidFill>
@@ -10343,7 +10348,7 @@
               </a:ln>
               <a:extLst>
                 <a:ext uri="{91240B29-F687-4f45-9708-019B960494DF}">
-                  <a14:hiddenLine xmlns:a14="http://schemas.microsoft.com/office/drawing/2010/main" xmlns="" w="9525">
+                  <a14:hiddenLine xmlns="" xmlns:a14="http://schemas.microsoft.com/office/drawing/2010/main" w="9525">
                     <a:solidFill>
                       <a:srgbClr val="000000"/>
                     </a:solidFill>
@@ -10433,7 +10438,7 @@
               </a:ln>
               <a:extLst>
                 <a:ext uri="{91240B29-F687-4f45-9708-019B960494DF}">
-                  <a14:hiddenLine xmlns:a14="http://schemas.microsoft.com/office/drawing/2010/main" xmlns="" w="9525">
+                  <a14:hiddenLine xmlns="" xmlns:a14="http://schemas.microsoft.com/office/drawing/2010/main" w="9525">
                     <a:solidFill>
                       <a:srgbClr val="000000"/>
                     </a:solidFill>
@@ -10495,7 +10500,7 @@
               </a:ln>
               <a:extLst>
                 <a:ext uri="{91240B29-F687-4f45-9708-019B960494DF}">
-                  <a14:hiddenLine xmlns:a14="http://schemas.microsoft.com/office/drawing/2010/main" xmlns="" w="9525">
+                  <a14:hiddenLine xmlns="" xmlns:a14="http://schemas.microsoft.com/office/drawing/2010/main" w="9525">
                     <a:solidFill>
                       <a:srgbClr val="000000"/>
                     </a:solidFill>
@@ -10585,7 +10590,7 @@
               </a:ln>
               <a:extLst>
                 <a:ext uri="{91240B29-F687-4f45-9708-019B960494DF}">
-                  <a14:hiddenLine xmlns:a14="http://schemas.microsoft.com/office/drawing/2010/main" xmlns="" w="9525">
+                  <a14:hiddenLine xmlns="" xmlns:a14="http://schemas.microsoft.com/office/drawing/2010/main" w="9525">
                     <a:solidFill>
                       <a:srgbClr val="000000"/>
                     </a:solidFill>
@@ -10650,7 +10655,7 @@
               </a:ln>
               <a:extLst>
                 <a:ext uri="{91240B29-F687-4f45-9708-019B960494DF}">
-                  <a14:hiddenLine xmlns:a14="http://schemas.microsoft.com/office/drawing/2010/main" xmlns="" w="9525">
+                  <a14:hiddenLine xmlns="" xmlns:a14="http://schemas.microsoft.com/office/drawing/2010/main" w="9525">
                     <a:solidFill>
                       <a:srgbClr val="000000"/>
                     </a:solidFill>
@@ -10712,7 +10717,7 @@
               </a:ln>
               <a:extLst>
                 <a:ext uri="{91240B29-F687-4f45-9708-019B960494DF}">
-                  <a14:hiddenLine xmlns:a14="http://schemas.microsoft.com/office/drawing/2010/main" xmlns="" w="9525">
+                  <a14:hiddenLine xmlns="" xmlns:a14="http://schemas.microsoft.com/office/drawing/2010/main" w="9525">
                     <a:solidFill>
                       <a:srgbClr val="000000"/>
                     </a:solidFill>
@@ -10802,7 +10807,7 @@
               </a:ln>
               <a:extLst>
                 <a:ext uri="{91240B29-F687-4f45-9708-019B960494DF}">
-                  <a14:hiddenLine xmlns:a14="http://schemas.microsoft.com/office/drawing/2010/main" xmlns="" w="9525">
+                  <a14:hiddenLine xmlns="" xmlns:a14="http://schemas.microsoft.com/office/drawing/2010/main" w="9525">
                     <a:solidFill>
                       <a:srgbClr val="000000"/>
                     </a:solidFill>
@@ -10892,7 +10897,7 @@
               </a:ln>
               <a:extLst>
                 <a:ext uri="{91240B29-F687-4f45-9708-019B960494DF}">
-                  <a14:hiddenLine xmlns:a14="http://schemas.microsoft.com/office/drawing/2010/main" xmlns="" w="9525">
+                  <a14:hiddenLine xmlns="" xmlns:a14="http://schemas.microsoft.com/office/drawing/2010/main" w="9525">
                     <a:solidFill>
                       <a:srgbClr val="000000"/>
                     </a:solidFill>
@@ -10957,7 +10962,7 @@
               </a:ln>
               <a:extLst>
                 <a:ext uri="{91240B29-F687-4f45-9708-019B960494DF}">
-                  <a14:hiddenLine xmlns:a14="http://schemas.microsoft.com/office/drawing/2010/main" xmlns="" w="9525">
+                  <a14:hiddenLine xmlns="" xmlns:a14="http://schemas.microsoft.com/office/drawing/2010/main" w="9525">
                     <a:solidFill>
                       <a:srgbClr val="000000"/>
                     </a:solidFill>
@@ -11077,7 +11082,7 @@
               </a:ln>
               <a:extLst>
                 <a:ext uri="{91240B29-F687-4f45-9708-019B960494DF}">
-                  <a14:hiddenLine xmlns:a14="http://schemas.microsoft.com/office/drawing/2010/main" xmlns="" w="9525">
+                  <a14:hiddenLine xmlns="" xmlns:a14="http://schemas.microsoft.com/office/drawing/2010/main" w="9525">
                     <a:solidFill>
                       <a:srgbClr val="000000"/>
                     </a:solidFill>
@@ -11175,7 +11180,7 @@
               </a:ln>
               <a:extLst>
                 <a:ext uri="{91240B29-F687-4f45-9708-019B960494DF}">
-                  <a14:hiddenLine xmlns:a14="http://schemas.microsoft.com/office/drawing/2010/main" xmlns="" w="9525">
+                  <a14:hiddenLine xmlns="" xmlns:a14="http://schemas.microsoft.com/office/drawing/2010/main" w="9525">
                     <a:solidFill>
                       <a:srgbClr val="000000"/>
                     </a:solidFill>
@@ -11290,7 +11295,7 @@
               </a:ln>
               <a:extLst>
                 <a:ext uri="{91240B29-F687-4f45-9708-019B960494DF}">
-                  <a14:hiddenLine xmlns:a14="http://schemas.microsoft.com/office/drawing/2010/main" xmlns="" w="9525">
+                  <a14:hiddenLine xmlns="" xmlns:a14="http://schemas.microsoft.com/office/drawing/2010/main" w="9525">
                     <a:solidFill>
                       <a:srgbClr val="000000"/>
                     </a:solidFill>
@@ -11380,7 +11385,7 @@
               </a:ln>
               <a:extLst>
                 <a:ext uri="{91240B29-F687-4f45-9708-019B960494DF}">
-                  <a14:hiddenLine xmlns:a14="http://schemas.microsoft.com/office/drawing/2010/main" xmlns="" w="9525">
+                  <a14:hiddenLine xmlns="" xmlns:a14="http://schemas.microsoft.com/office/drawing/2010/main" w="9525">
                     <a:solidFill>
                       <a:srgbClr val="000000"/>
                     </a:solidFill>
@@ -11445,7 +11450,7 @@
               </a:ln>
               <a:extLst>
                 <a:ext uri="{91240B29-F687-4f45-9708-019B960494DF}">
-                  <a14:hiddenLine xmlns:a14="http://schemas.microsoft.com/office/drawing/2010/main" xmlns="" w="9525">
+                  <a14:hiddenLine xmlns="" xmlns:a14="http://schemas.microsoft.com/office/drawing/2010/main" w="9525">
                     <a:solidFill>
                       <a:srgbClr val="000000"/>
                     </a:solidFill>
@@ -11535,7 +11540,7 @@
               </a:ln>
               <a:extLst>
                 <a:ext uri="{91240B29-F687-4f45-9708-019B960494DF}">
-                  <a14:hiddenLine xmlns:a14="http://schemas.microsoft.com/office/drawing/2010/main" xmlns="" w="9525">
+                  <a14:hiddenLine xmlns="" xmlns:a14="http://schemas.microsoft.com/office/drawing/2010/main" w="9525">
                     <a:solidFill>
                       <a:srgbClr val="000000"/>
                     </a:solidFill>
@@ -11603,7 +11608,7 @@
               </a:ln>
               <a:extLst>
                 <a:ext uri="{91240B29-F687-4f45-9708-019B960494DF}">
-                  <a14:hiddenLine xmlns:a14="http://schemas.microsoft.com/office/drawing/2010/main" xmlns="" w="9525">
+                  <a14:hiddenLine xmlns="" xmlns:a14="http://schemas.microsoft.com/office/drawing/2010/main" w="9525">
                     <a:solidFill>
                       <a:srgbClr val="000000"/>
                     </a:solidFill>
@@ -11693,7 +11698,7 @@
               </a:ln>
               <a:extLst>
                 <a:ext uri="{91240B29-F687-4f45-9708-019B960494DF}">
-                  <a14:hiddenLine xmlns:a14="http://schemas.microsoft.com/office/drawing/2010/main" xmlns="" w="9525">
+                  <a14:hiddenLine xmlns="" xmlns:a14="http://schemas.microsoft.com/office/drawing/2010/main" w="9525">
                     <a:solidFill>
                       <a:srgbClr val="000000"/>
                     </a:solidFill>
@@ -11761,7 +11766,7 @@
               </a:ln>
               <a:extLst>
                 <a:ext uri="{91240B29-F687-4f45-9708-019B960494DF}">
-                  <a14:hiddenLine xmlns:a14="http://schemas.microsoft.com/office/drawing/2010/main" xmlns="" w="9525">
+                  <a14:hiddenLine xmlns="" xmlns:a14="http://schemas.microsoft.com/office/drawing/2010/main" w="9525">
                     <a:solidFill>
                       <a:srgbClr val="000000"/>
                     </a:solidFill>
@@ -11851,7 +11856,7 @@
               </a:ln>
               <a:extLst>
                 <a:ext uri="{91240B29-F687-4f45-9708-019B960494DF}">
-                  <a14:hiddenLine xmlns:a14="http://schemas.microsoft.com/office/drawing/2010/main" xmlns="" w="9525">
+                  <a14:hiddenLine xmlns="" xmlns:a14="http://schemas.microsoft.com/office/drawing/2010/main" w="9525">
                     <a:solidFill>
                       <a:srgbClr val="000000"/>
                     </a:solidFill>
@@ -11885,7 +11890,7 @@
               </a:ln>
               <a:extLst>
                 <a:ext uri="{91240B29-F687-4f45-9708-019B960494DF}">
-                  <a14:hiddenLine xmlns:a14="http://schemas.microsoft.com/office/drawing/2010/main" xmlns="" w="9525">
+                  <a14:hiddenLine xmlns="" xmlns:a14="http://schemas.microsoft.com/office/drawing/2010/main" w="9525">
                     <a:solidFill>
                       <a:srgbClr val="000000"/>
                     </a:solidFill>
@@ -15106,7 +15111,28 @@
                 <a:latin typeface="Times New Roman" panose="02020603050405020304" pitchFamily="18" charset="0"/>
                 <a:cs typeface="Times New Roman" panose="02020603050405020304" pitchFamily="18" charset="0"/>
               </a:rPr>
-              <a:t>Visualization - Create charts with different operations, such as pie charts, histograms, row and column charts, and other complex charts</a:t>
+              <a:t>Visualization - Create charts with different operations, such as pie charts, histograms, row </a:t>
+            </a:r>
+            <a:r>
+              <a:rPr lang="en-US" sz="2400" smtClean="0">
+                <a:latin typeface="Times New Roman" panose="02020603050405020304" pitchFamily="18" charset="0"/>
+                <a:cs typeface="Times New Roman" panose="02020603050405020304" pitchFamily="18" charset="0"/>
+              </a:rPr>
+              <a:t>and </a:t>
+            </a:r>
+            <a:r>
+              <a:rPr lang="en-US" sz="2400" smtClean="0">
+                <a:latin typeface="Times New Roman" panose="02020603050405020304" pitchFamily="18" charset="0"/>
+                <a:cs typeface="Times New Roman" panose="02020603050405020304" pitchFamily="18" charset="0"/>
+              </a:rPr>
+              <a:t> column </a:t>
+            </a:r>
+            <a:r>
+              <a:rPr lang="en-US" sz="2400" dirty="0" smtClean="0">
+                <a:latin typeface="Times New Roman" panose="02020603050405020304" pitchFamily="18" charset="0"/>
+                <a:cs typeface="Times New Roman" panose="02020603050405020304" pitchFamily="18" charset="0"/>
+              </a:rPr>
+              <a:t>charts, and other complex charts</a:t>
             </a:r>
           </a:p>
           <a:p>
@@ -15772,10 +15798,6 @@
               </a:rPr>
               <a:t> is a powerful security model.</a:t>
             </a:r>
-            <a:endParaRPr lang="en-US" sz="2400" dirty="0">
-              <a:latin typeface="Times New Roman" panose="02020603050405020304" pitchFamily="18" charset="0"/>
-              <a:cs typeface="Times New Roman" panose="02020603050405020304" pitchFamily="18" charset="0"/>
-            </a:endParaRPr>
           </a:p>
         </p:txBody>
       </p:sp>

--- a/docs/splunkdemo.pptx
+++ b/docs/splunkdemo.pptx
@@ -14418,43 +14418,6 @@
           </a:p>
         </p:txBody>
       </p:sp>
-      <p:sp>
-        <p:nvSpPr>
-          <p:cNvPr id="4" name="Slide Number Placeholder 1"/>
-          <p:cNvSpPr>
-            <a:spLocks noGrp="1"/>
-          </p:cNvSpPr>
-          <p:nvPr>
-            <p:ph type="sldNum" idx="12"/>
-          </p:nvPr>
-        </p:nvSpPr>
-        <p:spPr>
-          <a:xfrm>
-            <a:off x="8472458" y="4663217"/>
-            <a:ext cx="548700" cy="393600"/>
-          </a:xfrm>
-        </p:spPr>
-        <p:txBody>
-          <a:bodyPr/>
-          <a:lstStyle/>
-          <a:p>
-            <a:pPr marL="0" lvl="0" indent="0" algn="r" rtl="0">
-              <a:spcBef>
-                <a:spcPts val="0"/>
-              </a:spcBef>
-              <a:spcAft>
-                <a:spcPts val="0"/>
-              </a:spcAft>
-              <a:buNone/>
-            </a:pPr>
-            <a:fld id="{00000000-1234-1234-1234-123412341234}" type="slidenum">
-              <a:rPr lang="en" smtClean="0"/>
-              <a:t>14</a:t>
-            </a:fld>
-            <a:endParaRPr lang="en"/>
-          </a:p>
-        </p:txBody>
-      </p:sp>
     </p:spTree>
     <p:extLst>
       <p:ext uri="{BB962C8B-B14F-4D97-AF65-F5344CB8AC3E}">
@@ -15111,28 +15074,7 @@
                 <a:latin typeface="Times New Roman" panose="02020603050405020304" pitchFamily="18" charset="0"/>
                 <a:cs typeface="Times New Roman" panose="02020603050405020304" pitchFamily="18" charset="0"/>
               </a:rPr>
-              <a:t>Visualization - Create charts with different operations, such as pie charts, histograms, row </a:t>
-            </a:r>
-            <a:r>
-              <a:rPr lang="en-US" sz="2400" smtClean="0">
-                <a:latin typeface="Times New Roman" panose="02020603050405020304" pitchFamily="18" charset="0"/>
-                <a:cs typeface="Times New Roman" panose="02020603050405020304" pitchFamily="18" charset="0"/>
-              </a:rPr>
-              <a:t>and </a:t>
-            </a:r>
-            <a:r>
-              <a:rPr lang="en-US" sz="2400" smtClean="0">
-                <a:latin typeface="Times New Roman" panose="02020603050405020304" pitchFamily="18" charset="0"/>
-                <a:cs typeface="Times New Roman" panose="02020603050405020304" pitchFamily="18" charset="0"/>
-              </a:rPr>
-              <a:t> column </a:t>
-            </a:r>
-            <a:r>
-              <a:rPr lang="en-US" sz="2400" dirty="0" smtClean="0">
-                <a:latin typeface="Times New Roman" panose="02020603050405020304" pitchFamily="18" charset="0"/>
-                <a:cs typeface="Times New Roman" panose="02020603050405020304" pitchFamily="18" charset="0"/>
-              </a:rPr>
-              <a:t>charts, and other complex charts</a:t>
+              <a:t>Visualization - Create charts with different operations, such as pie charts, histograms, row and column charts, and other complex charts</a:t>
             </a:r>
           </a:p>
           <a:p>

--- a/docs/splunkdemo.pptx
+++ b/docs/splunkdemo.pptx
@@ -17,9 +17,10 @@
     <p:sldId id="266" r:id="rId11"/>
     <p:sldId id="267" r:id="rId12"/>
     <p:sldId id="268" r:id="rId13"/>
-    <p:sldId id="271" r:id="rId14"/>
-    <p:sldId id="269" r:id="rId15"/>
-    <p:sldId id="270" r:id="rId16"/>
+    <p:sldId id="272" r:id="rId14"/>
+    <p:sldId id="271" r:id="rId15"/>
+    <p:sldId id="269" r:id="rId16"/>
+    <p:sldId id="270" r:id="rId17"/>
   </p:sldIdLst>
   <p:sldSz cx="12192000" cy="6858000"/>
   <p:notesSz cx="6858000" cy="9144000"/>
@@ -4402,7 +4403,7 @@
           <a:p>
             <a:fld id="{5DC6276A-C6C6-4714-88C9-89B57FE151A9}" type="datetimeFigureOut">
               <a:rPr lang="en-US" smtClean="0"/>
-              <a:t>4/17/2020</a:t>
+              <a:t>4/19/2020</a:t>
             </a:fld>
             <a:endParaRPr lang="en-US"/>
           </a:p>
@@ -4669,7 +4670,7 @@
           <a:p>
             <a:fld id="{5DC6276A-C6C6-4714-88C9-89B57FE151A9}" type="datetimeFigureOut">
               <a:rPr lang="en-US" smtClean="0"/>
-              <a:t>4/17/2020</a:t>
+              <a:t>4/19/2020</a:t>
             </a:fld>
             <a:endParaRPr lang="en-US"/>
           </a:p>
@@ -4865,7 +4866,7 @@
           <a:p>
             <a:fld id="{5DC6276A-C6C6-4714-88C9-89B57FE151A9}" type="datetimeFigureOut">
               <a:rPr lang="en-US" smtClean="0"/>
-              <a:t>4/17/2020</a:t>
+              <a:t>4/19/2020</a:t>
             </a:fld>
             <a:endParaRPr lang="en-US"/>
           </a:p>
@@ -5128,7 +5129,7 @@
           <a:p>
             <a:fld id="{5DC6276A-C6C6-4714-88C9-89B57FE151A9}" type="datetimeFigureOut">
               <a:rPr lang="en-US" smtClean="0"/>
-              <a:t>4/17/2020</a:t>
+              <a:t>4/19/2020</a:t>
             </a:fld>
             <a:endParaRPr lang="en-US"/>
           </a:p>
@@ -5562,7 +5563,7 @@
           <a:p>
             <a:fld id="{5DC6276A-C6C6-4714-88C9-89B57FE151A9}" type="datetimeFigureOut">
               <a:rPr lang="en-US" smtClean="0"/>
-              <a:t>4/17/2020</a:t>
+              <a:t>4/19/2020</a:t>
             </a:fld>
             <a:endParaRPr lang="en-US"/>
           </a:p>
@@ -6108,7 +6109,7 @@
           <a:p>
             <a:fld id="{5DC6276A-C6C6-4714-88C9-89B57FE151A9}" type="datetimeFigureOut">
               <a:rPr lang="en-US" smtClean="0"/>
-              <a:t>4/17/2020</a:t>
+              <a:t>4/19/2020</a:t>
             </a:fld>
             <a:endParaRPr lang="en-US"/>
           </a:p>
@@ -6828,7 +6829,7 @@
           <a:p>
             <a:fld id="{5DC6276A-C6C6-4714-88C9-89B57FE151A9}" type="datetimeFigureOut">
               <a:rPr lang="en-US" smtClean="0"/>
-              <a:t>4/17/2020</a:t>
+              <a:t>4/19/2020</a:t>
             </a:fld>
             <a:endParaRPr lang="en-US"/>
           </a:p>
@@ -6998,7 +6999,7 @@
           <a:p>
             <a:fld id="{5DC6276A-C6C6-4714-88C9-89B57FE151A9}" type="datetimeFigureOut">
               <a:rPr lang="en-US" smtClean="0"/>
-              <a:t>4/17/2020</a:t>
+              <a:t>4/19/2020</a:t>
             </a:fld>
             <a:endParaRPr lang="en-US"/>
           </a:p>
@@ -7178,7 +7179,7 @@
           <a:p>
             <a:fld id="{5DC6276A-C6C6-4714-88C9-89B57FE151A9}" type="datetimeFigureOut">
               <a:rPr lang="en-US" smtClean="0"/>
-              <a:t>4/17/2020</a:t>
+              <a:t>4/19/2020</a:t>
             </a:fld>
             <a:endParaRPr lang="en-US"/>
           </a:p>
@@ -7348,7 +7349,7 @@
           <a:p>
             <a:fld id="{5DC6276A-C6C6-4714-88C9-89B57FE151A9}" type="datetimeFigureOut">
               <a:rPr lang="en-US" smtClean="0"/>
-              <a:t>4/17/2020</a:t>
+              <a:t>4/19/2020</a:t>
             </a:fld>
             <a:endParaRPr lang="en-US"/>
           </a:p>
@@ -7598,7 +7599,7 @@
           <a:p>
             <a:fld id="{5DC6276A-C6C6-4714-88C9-89B57FE151A9}" type="datetimeFigureOut">
               <a:rPr lang="en-US" smtClean="0"/>
-              <a:t>4/17/2020</a:t>
+              <a:t>4/19/2020</a:t>
             </a:fld>
             <a:endParaRPr lang="en-US"/>
           </a:p>
@@ -7830,7 +7831,7 @@
           <a:p>
             <a:fld id="{5DC6276A-C6C6-4714-88C9-89B57FE151A9}" type="datetimeFigureOut">
               <a:rPr lang="en-US" smtClean="0"/>
-              <a:t>4/17/2020</a:t>
+              <a:t>4/19/2020</a:t>
             </a:fld>
             <a:endParaRPr lang="en-US"/>
           </a:p>
@@ -8211,7 +8212,7 @@
           <a:p>
             <a:fld id="{5DC6276A-C6C6-4714-88C9-89B57FE151A9}" type="datetimeFigureOut">
               <a:rPr lang="en-US" smtClean="0"/>
-              <a:t>4/17/2020</a:t>
+              <a:t>4/19/2020</a:t>
             </a:fld>
             <a:endParaRPr lang="en-US"/>
           </a:p>
@@ -8329,7 +8330,7 @@
           <a:p>
             <a:fld id="{5DC6276A-C6C6-4714-88C9-89B57FE151A9}" type="datetimeFigureOut">
               <a:rPr lang="en-US" smtClean="0"/>
-              <a:t>4/17/2020</a:t>
+              <a:t>4/19/2020</a:t>
             </a:fld>
             <a:endParaRPr lang="en-US"/>
           </a:p>
@@ -8424,7 +8425,7 @@
           <a:p>
             <a:fld id="{5DC6276A-C6C6-4714-88C9-89B57FE151A9}" type="datetimeFigureOut">
               <a:rPr lang="en-US" smtClean="0"/>
-              <a:t>4/17/2020</a:t>
+              <a:t>4/19/2020</a:t>
             </a:fld>
             <a:endParaRPr lang="en-US"/>
           </a:p>
@@ -8673,7 +8674,7 @@
           <a:p>
             <a:fld id="{5DC6276A-C6C6-4714-88C9-89B57FE151A9}" type="datetimeFigureOut">
               <a:rPr lang="en-US" smtClean="0"/>
-              <a:t>4/17/2020</a:t>
+              <a:t>4/19/2020</a:t>
             </a:fld>
             <a:endParaRPr lang="en-US"/>
           </a:p>
@@ -8953,7 +8954,7 @@
           <a:p>
             <a:fld id="{5DC6276A-C6C6-4714-88C9-89B57FE151A9}" type="datetimeFigureOut">
               <a:rPr lang="en-US" smtClean="0"/>
-              <a:t>4/17/2020</a:t>
+              <a:t>4/19/2020</a:t>
             </a:fld>
             <a:endParaRPr lang="en-US"/>
           </a:p>
@@ -12030,7 +12031,7 @@
           <a:p>
             <a:fld id="{5DC6276A-C6C6-4714-88C9-89B57FE151A9}" type="datetimeFigureOut">
               <a:rPr lang="en-US" smtClean="0"/>
-              <a:t>4/17/2020</a:t>
+              <a:t>4/19/2020</a:t>
             </a:fld>
             <a:endParaRPr lang="en-US"/>
           </a:p>
@@ -13474,68 +13475,82 @@
             </a:r>
           </a:p>
           <a:p>
-            <a:pPr marL="285750" indent="-285750" algn="just">
+            <a:pPr marL="0" indent="0" algn="just">
+              <a:spcBef>
+                <a:spcPts val="1600"/>
+              </a:spcBef>
+              <a:buNone/>
+            </a:pPr>
+            <a:r>
+              <a:rPr lang="en-US" sz="2400" dirty="0">
+                <a:latin typeface="Times New Roman" panose="02020603050405020304" pitchFamily="18" charset="0"/>
+                <a:ea typeface="Times New Roman"/>
+                <a:cs typeface="Times New Roman" panose="02020603050405020304" pitchFamily="18" charset="0"/>
+                <a:sym typeface="Times New Roman"/>
+              </a:rPr>
+              <a:t>Features of </a:t>
+            </a:r>
+            <a:r>
+              <a:rPr lang="en-US" sz="2400" dirty="0" err="1">
+                <a:latin typeface="Times New Roman" panose="02020603050405020304" pitchFamily="18" charset="0"/>
+                <a:ea typeface="Times New Roman"/>
+                <a:cs typeface="Times New Roman" panose="02020603050405020304" pitchFamily="18" charset="0"/>
+                <a:sym typeface="Times New Roman"/>
+              </a:rPr>
+              <a:t>Loggly</a:t>
+            </a:r>
+            <a:r>
+              <a:rPr lang="en-US" sz="2400" dirty="0">
+                <a:latin typeface="Times New Roman" panose="02020603050405020304" pitchFamily="18" charset="0"/>
+                <a:ea typeface="Times New Roman"/>
+                <a:cs typeface="Times New Roman" panose="02020603050405020304" pitchFamily="18" charset="0"/>
+                <a:sym typeface="Times New Roman"/>
+              </a:rPr>
+              <a:t> :</a:t>
+            </a:r>
+          </a:p>
+          <a:p>
+            <a:pPr algn="just">
               <a:spcBef>
                 <a:spcPts val="1600"/>
               </a:spcBef>
             </a:pPr>
             <a:r>
-              <a:rPr lang="en-US" sz="2400" b="1" dirty="0" err="1" smtClean="0">
-                <a:latin typeface="Times New Roman"/>
-                <a:ea typeface="Times New Roman"/>
-                <a:cs typeface="Times New Roman"/>
-                <a:sym typeface="Times New Roman"/>
+              <a:rPr lang="en-US" sz="2400" dirty="0">
+                <a:latin typeface="Times New Roman" panose="02020603050405020304" pitchFamily="18" charset="0"/>
+                <a:cs typeface="Times New Roman" panose="02020603050405020304" pitchFamily="18" charset="0"/>
               </a:rPr>
-              <a:t>LogFaces</a:t>
-            </a:r>
-            <a:r>
-              <a:rPr lang="en-US" sz="2400" b="1" dirty="0" smtClean="0">
-                <a:latin typeface="Times New Roman"/>
-                <a:ea typeface="Times New Roman"/>
-                <a:cs typeface="Times New Roman"/>
-                <a:sym typeface="Times New Roman"/>
+              <a:t>Comes with proactive monitoring of key metrics and resources to eliminate problems before it affects end-users.</a:t>
+            </a:r>
+          </a:p>
+          <a:p>
+            <a:pPr algn="just">
+              <a:spcBef>
+                <a:spcPts val="1600"/>
+              </a:spcBef>
+            </a:pPr>
+            <a:r>
+              <a:rPr lang="en-US" sz="2400" dirty="0">
+                <a:latin typeface="Times New Roman" panose="02020603050405020304" pitchFamily="18" charset="0"/>
+                <a:cs typeface="Times New Roman" panose="02020603050405020304" pitchFamily="18" charset="0"/>
               </a:rPr>
-              <a:t>:</a:t>
+              <a:t>Helps to trace the root cause of issues with an in-depth analysis of existing logs.</a:t>
             </a:r>
           </a:p>
           <a:p>
             <a:pPr marL="0" indent="0" algn="just">
               <a:spcBef>
-                <a:spcPts val="1400"/>
+                <a:spcPts val="1600"/>
               </a:spcBef>
-              <a:spcAft>
-                <a:spcPts val="400"/>
-              </a:spcAft>
               <a:buFont typeface="Arial" panose="020B0604020202020204" pitchFamily="34" charset="0"/>
               <a:buNone/>
             </a:pPr>
-            <a:r>
-              <a:rPr lang="en-US" sz="2400" dirty="0" smtClean="0">
-                <a:latin typeface="Times New Roman"/>
-                <a:ea typeface="Times New Roman"/>
-                <a:cs typeface="Times New Roman"/>
-                <a:sym typeface="Times New Roman"/>
-              </a:rPr>
-              <a:t>             </a:t>
-            </a:r>
-            <a:r>
-              <a:rPr lang="en-US" sz="2400" dirty="0" err="1" smtClean="0">
-                <a:latin typeface="Times New Roman"/>
-                <a:ea typeface="Times New Roman"/>
-                <a:cs typeface="Times New Roman"/>
-                <a:sym typeface="Times New Roman"/>
-              </a:rPr>
-              <a:t>Logfaces</a:t>
-            </a:r>
-            <a:r>
-              <a:rPr lang="en-US" sz="2400" dirty="0" smtClean="0">
-                <a:latin typeface="Times New Roman"/>
-                <a:ea typeface="Times New Roman"/>
-                <a:cs typeface="Times New Roman"/>
-                <a:sym typeface="Times New Roman"/>
-              </a:rPr>
-              <a:t> are another spunk alternative to send your queries via e-mail. This tool maintains log information in the building. A simple desktop application is included in the tool.</a:t>
-            </a:r>
+            <a:endParaRPr lang="en-US" sz="2400" dirty="0" smtClean="0">
+              <a:latin typeface="Times New Roman"/>
+              <a:ea typeface="Times New Roman"/>
+              <a:cs typeface="Times New Roman"/>
+              <a:sym typeface="Times New Roman"/>
+            </a:endParaRPr>
           </a:p>
           <a:p>
             <a:pPr marL="0" indent="0" algn="just">
@@ -13635,6 +13650,282 @@
 </file>
 
 <file path=ppt/slides/slide13.xml><?xml version="1.0" encoding="utf-8"?>
+<p:sld xmlns:a="http://schemas.openxmlformats.org/drawingml/2006/main" xmlns:r="http://schemas.openxmlformats.org/officeDocument/2006/relationships" xmlns:p="http://schemas.openxmlformats.org/presentationml/2006/main">
+  <p:cSld>
+    <p:spTree>
+      <p:nvGrpSpPr>
+        <p:cNvPr id="1" name=""/>
+        <p:cNvGrpSpPr/>
+        <p:nvPr/>
+      </p:nvGrpSpPr>
+      <p:grpSpPr>
+        <a:xfrm>
+          <a:off x="0" y="0"/>
+          <a:ext cx="0" cy="0"/>
+          <a:chOff x="0" y="0"/>
+          <a:chExt cx="0" cy="0"/>
+        </a:xfrm>
+      </p:grpSpPr>
+      <p:sp>
+        <p:nvSpPr>
+          <p:cNvPr id="3" name="Content Placeholder 2"/>
+          <p:cNvSpPr>
+            <a:spLocks noGrp="1"/>
+          </p:cNvSpPr>
+          <p:nvPr>
+            <p:ph idx="1"/>
+          </p:nvPr>
+        </p:nvSpPr>
+        <p:spPr>
+          <a:xfrm>
+            <a:off x="1206726" y="1047703"/>
+            <a:ext cx="9905999" cy="4752206"/>
+          </a:xfrm>
+        </p:spPr>
+        <p:txBody>
+          <a:bodyPr>
+            <a:normAutofit fontScale="92500" lnSpcReduction="10000"/>
+          </a:bodyPr>
+          <a:lstStyle/>
+          <a:p>
+            <a:pPr marL="285750" indent="-285750" algn="just">
+              <a:spcBef>
+                <a:spcPts val="1600"/>
+              </a:spcBef>
+            </a:pPr>
+            <a:r>
+              <a:rPr lang="en-US" b="1" dirty="0" err="1">
+                <a:latin typeface="Times New Roman" panose="02020603050405020304" pitchFamily="18" charset="0"/>
+                <a:ea typeface="Times New Roman"/>
+                <a:cs typeface="Times New Roman" panose="02020603050405020304" pitchFamily="18" charset="0"/>
+                <a:sym typeface="Times New Roman"/>
+              </a:rPr>
+              <a:t>LogFaces</a:t>
+            </a:r>
+            <a:r>
+              <a:rPr lang="en-US" b="1" dirty="0">
+                <a:latin typeface="Times New Roman" panose="02020603050405020304" pitchFamily="18" charset="0"/>
+                <a:ea typeface="Times New Roman"/>
+                <a:cs typeface="Times New Roman" panose="02020603050405020304" pitchFamily="18" charset="0"/>
+                <a:sym typeface="Times New Roman"/>
+              </a:rPr>
+              <a:t>:</a:t>
+            </a:r>
+          </a:p>
+          <a:p>
+            <a:pPr marL="0" indent="0" algn="just">
+              <a:spcBef>
+                <a:spcPts val="1400"/>
+              </a:spcBef>
+              <a:spcAft>
+                <a:spcPts val="400"/>
+              </a:spcAft>
+              <a:buNone/>
+            </a:pPr>
+            <a:r>
+              <a:rPr lang="en-US" dirty="0">
+                <a:latin typeface="Times New Roman" panose="02020603050405020304" pitchFamily="18" charset="0"/>
+                <a:ea typeface="Times New Roman"/>
+                <a:cs typeface="Times New Roman" panose="02020603050405020304" pitchFamily="18" charset="0"/>
+                <a:sym typeface="Times New Roman"/>
+              </a:rPr>
+              <a:t>             </a:t>
+            </a:r>
+            <a:r>
+              <a:rPr lang="en-US" dirty="0" err="1">
+                <a:latin typeface="Times New Roman" panose="02020603050405020304" pitchFamily="18" charset="0"/>
+                <a:ea typeface="Times New Roman"/>
+                <a:cs typeface="Times New Roman" panose="02020603050405020304" pitchFamily="18" charset="0"/>
+                <a:sym typeface="Times New Roman"/>
+              </a:rPr>
+              <a:t>Logfaces</a:t>
+            </a:r>
+            <a:r>
+              <a:rPr lang="en-US" dirty="0">
+                <a:latin typeface="Times New Roman" panose="02020603050405020304" pitchFamily="18" charset="0"/>
+                <a:ea typeface="Times New Roman"/>
+                <a:cs typeface="Times New Roman" panose="02020603050405020304" pitchFamily="18" charset="0"/>
+                <a:sym typeface="Times New Roman"/>
+              </a:rPr>
+              <a:t> are another </a:t>
+            </a:r>
+            <a:r>
+              <a:rPr lang="en-US" dirty="0" err="1">
+                <a:latin typeface="Times New Roman" panose="02020603050405020304" pitchFamily="18" charset="0"/>
+                <a:ea typeface="Times New Roman"/>
+                <a:cs typeface="Times New Roman" panose="02020603050405020304" pitchFamily="18" charset="0"/>
+                <a:sym typeface="Times New Roman"/>
+              </a:rPr>
+              <a:t>splunk</a:t>
+            </a:r>
+            <a:r>
+              <a:rPr lang="en-US" dirty="0">
+                <a:latin typeface="Times New Roman" panose="02020603050405020304" pitchFamily="18" charset="0"/>
+                <a:ea typeface="Times New Roman"/>
+                <a:cs typeface="Times New Roman" panose="02020603050405020304" pitchFamily="18" charset="0"/>
+                <a:sym typeface="Times New Roman"/>
+              </a:rPr>
+              <a:t> alternative to send your queries via e-mail. This tool maintains log information in the building. A simple desktop application is included in the tool</a:t>
+            </a:r>
+            <a:r>
+              <a:rPr lang="en-US" dirty="0" smtClean="0">
+                <a:latin typeface="Times New Roman" panose="02020603050405020304" pitchFamily="18" charset="0"/>
+                <a:ea typeface="Times New Roman"/>
+                <a:cs typeface="Times New Roman" panose="02020603050405020304" pitchFamily="18" charset="0"/>
+                <a:sym typeface="Times New Roman"/>
+              </a:rPr>
+              <a:t>.</a:t>
+            </a:r>
+            <a:endParaRPr lang="en-US" dirty="0">
+              <a:latin typeface="Times New Roman" panose="02020603050405020304" pitchFamily="18" charset="0"/>
+              <a:ea typeface="Times New Roman"/>
+              <a:cs typeface="Times New Roman" panose="02020603050405020304" pitchFamily="18" charset="0"/>
+              <a:sym typeface="Times New Roman"/>
+            </a:endParaRPr>
+          </a:p>
+          <a:p>
+            <a:pPr marL="0" indent="0" algn="just">
+              <a:spcBef>
+                <a:spcPts val="1400"/>
+              </a:spcBef>
+              <a:spcAft>
+                <a:spcPts val="400"/>
+              </a:spcAft>
+              <a:buNone/>
+            </a:pPr>
+            <a:r>
+              <a:rPr lang="en-US" dirty="0">
+                <a:latin typeface="Times New Roman" panose="02020603050405020304" pitchFamily="18" charset="0"/>
+                <a:ea typeface="Times New Roman"/>
+                <a:cs typeface="Times New Roman" panose="02020603050405020304" pitchFamily="18" charset="0"/>
+                <a:sym typeface="Times New Roman"/>
+              </a:rPr>
+              <a:t>Features of </a:t>
+            </a:r>
+            <a:r>
+              <a:rPr lang="en-US" dirty="0" err="1">
+                <a:latin typeface="Times New Roman" panose="02020603050405020304" pitchFamily="18" charset="0"/>
+                <a:ea typeface="Times New Roman"/>
+                <a:cs typeface="Times New Roman" panose="02020603050405020304" pitchFamily="18" charset="0"/>
+                <a:sym typeface="Times New Roman"/>
+              </a:rPr>
+              <a:t>Logfaces</a:t>
+            </a:r>
+            <a:r>
+              <a:rPr lang="en-US" dirty="0">
+                <a:latin typeface="Times New Roman" panose="02020603050405020304" pitchFamily="18" charset="0"/>
+                <a:ea typeface="Times New Roman"/>
+                <a:cs typeface="Times New Roman" panose="02020603050405020304" pitchFamily="18" charset="0"/>
+                <a:sym typeface="Times New Roman"/>
+              </a:rPr>
+              <a:t>:</a:t>
+            </a:r>
+          </a:p>
+          <a:p>
+            <a:pPr algn="just">
+              <a:spcBef>
+                <a:spcPts val="1400"/>
+              </a:spcBef>
+              <a:spcAft>
+                <a:spcPts val="400"/>
+              </a:spcAft>
+            </a:pPr>
+            <a:r>
+              <a:rPr lang="en-US" dirty="0">
+                <a:latin typeface="Times New Roman" panose="02020603050405020304" pitchFamily="18" charset="0"/>
+                <a:cs typeface="Times New Roman" panose="02020603050405020304" pitchFamily="18" charset="0"/>
+              </a:rPr>
+              <a:t>No subscription fees and usage limitations for valid license holders.</a:t>
+            </a:r>
+          </a:p>
+          <a:p>
+            <a:pPr algn="just">
+              <a:spcBef>
+                <a:spcPts val="1400"/>
+              </a:spcBef>
+              <a:spcAft>
+                <a:spcPts val="400"/>
+              </a:spcAft>
+            </a:pPr>
+            <a:r>
+              <a:rPr lang="en-US" dirty="0">
+                <a:latin typeface="Times New Roman" panose="02020603050405020304" pitchFamily="18" charset="0"/>
+                <a:cs typeface="Times New Roman" panose="02020603050405020304" pitchFamily="18" charset="0"/>
+              </a:rPr>
+              <a:t>The native log viewer is highly responsive and user-friendly.</a:t>
+            </a:r>
+            <a:endParaRPr lang="en-US" dirty="0">
+              <a:latin typeface="Times New Roman" panose="02020603050405020304" pitchFamily="18" charset="0"/>
+              <a:ea typeface="Times New Roman"/>
+              <a:cs typeface="Times New Roman" panose="02020603050405020304" pitchFamily="18" charset="0"/>
+              <a:sym typeface="Times New Roman"/>
+            </a:endParaRPr>
+          </a:p>
+          <a:p>
+            <a:pPr algn="just">
+              <a:spcBef>
+                <a:spcPts val="1400"/>
+              </a:spcBef>
+              <a:spcAft>
+                <a:spcPts val="400"/>
+              </a:spcAft>
+            </a:pPr>
+            <a:endParaRPr lang="en-US" dirty="0">
+              <a:latin typeface="Times New Roman"/>
+              <a:ea typeface="Times New Roman"/>
+              <a:cs typeface="Times New Roman"/>
+              <a:sym typeface="Times New Roman"/>
+            </a:endParaRPr>
+          </a:p>
+          <a:p>
+            <a:pPr marL="0" indent="0">
+              <a:buNone/>
+            </a:pPr>
+            <a:r>
+              <a:rPr lang="en-US" dirty="0" smtClean="0"/>
+              <a:t>                                                                                                       </a:t>
+            </a:r>
+            <a:r>
+              <a:rPr lang="en-US" dirty="0" smtClean="0">
+                <a:latin typeface="Times New Roman" panose="02020603050405020304" pitchFamily="18" charset="0"/>
+                <a:cs typeface="Times New Roman" panose="02020603050405020304" pitchFamily="18" charset="0"/>
+              </a:rPr>
+              <a:t>Gopi </a:t>
+            </a:r>
+            <a:r>
+              <a:rPr lang="en-US" dirty="0" err="1">
+                <a:latin typeface="Times New Roman" panose="02020603050405020304" pitchFamily="18" charset="0"/>
+                <a:cs typeface="Times New Roman" panose="02020603050405020304" pitchFamily="18" charset="0"/>
+              </a:rPr>
+              <a:t>sabbineni</a:t>
+            </a:r>
+            <a:endParaRPr lang="en-US" dirty="0">
+              <a:latin typeface="Times New Roman" panose="02020603050405020304" pitchFamily="18" charset="0"/>
+              <a:cs typeface="Times New Roman" panose="02020603050405020304" pitchFamily="18" charset="0"/>
+            </a:endParaRPr>
+          </a:p>
+          <a:p>
+            <a:pPr marL="0" indent="0">
+              <a:buNone/>
+            </a:pPr>
+            <a:endParaRPr lang="en-US" dirty="0"/>
+          </a:p>
+        </p:txBody>
+      </p:sp>
+    </p:spTree>
+    <p:extLst>
+      <p:ext uri="{BB962C8B-B14F-4D97-AF65-F5344CB8AC3E}">
+        <p14:creationId xmlns:p14="http://schemas.microsoft.com/office/powerpoint/2010/main" val="4255698099"/>
+      </p:ext>
+    </p:extLst>
+  </p:cSld>
+  <p:clrMapOvr>
+    <a:masterClrMapping/>
+  </p:clrMapOvr>
+</p:sld>
+</file>
+
+<file path=ppt/slides/slide14.xml><?xml version="1.0" encoding="utf-8"?>
 <p:sld xmlns:a="http://schemas.openxmlformats.org/drawingml/2006/main" xmlns:r="http://schemas.openxmlformats.org/officeDocument/2006/relationships" xmlns:p="http://schemas.openxmlformats.org/presentationml/2006/main">
   <p:cSld>
     <p:spTree>
@@ -14128,7 +14419,7 @@
 </p:sld>
 </file>
 
-<file path=ppt/slides/slide14.xml><?xml version="1.0" encoding="utf-8"?>
+<file path=ppt/slides/slide15.xml><?xml version="1.0" encoding="utf-8"?>
 <p:sld xmlns:a="http://schemas.openxmlformats.org/drawingml/2006/main" xmlns:r="http://schemas.openxmlformats.org/officeDocument/2006/relationships" xmlns:p="http://schemas.openxmlformats.org/presentationml/2006/main">
   <p:cSld>
     <p:spTree>
@@ -14402,7 +14693,7 @@
               <a:buNone/>
             </a:pPr>
             <a:r>
-              <a:rPr lang="en-US" sz="1100" u="sng" dirty="0" smtClean="0">
+              <a:rPr lang="en-US" u="sng" dirty="0" smtClean="0">
                 <a:solidFill>
                   <a:schemeClr val="hlink"/>
                 </a:solidFill>
@@ -14438,7 +14729,7 @@
 </p:sld>
 </file>
 
-<file path=ppt/slides/slide15.xml><?xml version="1.0" encoding="utf-8"?>
+<file path=ppt/slides/slide16.xml><?xml version="1.0" encoding="utf-8"?>
 <p:sld xmlns:a="http://schemas.openxmlformats.org/drawingml/2006/main" xmlns:r="http://schemas.openxmlformats.org/officeDocument/2006/relationships" xmlns:p="http://schemas.openxmlformats.org/presentationml/2006/main">
   <p:cSld>
     <p:spTree>
